--- a/android/sensor/gyroscope/doc/slides.pptx
+++ b/android/sensor/gyroscope/doc/slides.pptx
@@ -200,7 +200,7 @@
           <a:p>
             <a:fld id="{8F41E82B-735B-4D54-ABFB-F8207B7C8E6C}" type="datetimeFigureOut">
               <a:rPr lang="en-US" smtClean="0"/>
-              <a:t>7/31/2015</a:t>
+              <a:t>8/6/2015</a:t>
             </a:fld>
             <a:endParaRPr lang="en-US"/>
           </a:p>
@@ -4010,9 +4010,78 @@
           <a:chExt cx="0" cy="0"/>
         </a:xfrm>
       </p:grpSpPr>
+      <p:sp>
+        <p:nvSpPr>
+          <p:cNvPr id="4" name="Date Placeholder 3"/>
+          <p:cNvSpPr>
+            <a:spLocks noGrp="1"/>
+          </p:cNvSpPr>
+          <p:nvPr>
+            <p:ph type="dt" sz="half" idx="10"/>
+          </p:nvPr>
+        </p:nvSpPr>
+        <p:spPr/>
+        <p:txBody>
+          <a:bodyPr/>
+          <a:lstStyle/>
+          <a:p>
+            <a:r>
+              <a:rPr lang="en-US" smtClean="0"/>
+              <a:t>tutorial/android/sensor/gyroscope</a:t>
+            </a:r>
+            <a:endParaRPr lang="en-US"/>
+          </a:p>
+        </p:txBody>
+      </p:sp>
+      <p:sp>
+        <p:nvSpPr>
+          <p:cNvPr id="5" name="Footer Placeholder 4"/>
+          <p:cNvSpPr>
+            <a:spLocks noGrp="1"/>
+          </p:cNvSpPr>
+          <p:nvPr>
+            <p:ph type="ftr" sz="quarter" idx="11"/>
+          </p:nvPr>
+        </p:nvSpPr>
+        <p:spPr/>
+        <p:txBody>
+          <a:bodyPr/>
+          <a:lstStyle/>
+          <a:p>
+            <a:r>
+              <a:rPr lang="en-US" smtClean="0"/>
+              <a:t>/  4</a:t>
+            </a:r>
+            <a:endParaRPr lang="en-US"/>
+          </a:p>
+        </p:txBody>
+      </p:sp>
+      <p:sp>
+        <p:nvSpPr>
+          <p:cNvPr id="6" name="Slide Number Placeholder 5"/>
+          <p:cNvSpPr>
+            <a:spLocks noGrp="1"/>
+          </p:cNvSpPr>
+          <p:nvPr>
+            <p:ph type="sldNum" sz="quarter" idx="12"/>
+          </p:nvPr>
+        </p:nvSpPr>
+        <p:spPr/>
+        <p:txBody>
+          <a:bodyPr/>
+          <a:lstStyle/>
+          <a:p>
+            <a:fld id="{1D923369-3FDE-4CA0-9C18-7B9889AA1FC7}" type="slidenum">
+              <a:rPr lang="en-US" smtClean="0"/>
+              <a:t>2</a:t>
+            </a:fld>
+            <a:endParaRPr lang="en-US"/>
+          </a:p>
+        </p:txBody>
+      </p:sp>
       <p:pic>
         <p:nvPicPr>
-          <p:cNvPr id="7" name="Content Placeholder 6"/>
+          <p:cNvPr id="3" name="Content Placeholder 2"/>
           <p:cNvPicPr>
             <a:picLocks noGrp="1" noChangeAspect="1"/>
           </p:cNvPicPr>
@@ -4034,80 +4103,11 @@
         </p:blipFill>
         <p:spPr>
           <a:xfrm>
-            <a:off x="4014651" y="365126"/>
-            <a:ext cx="3918857" cy="5811838"/>
+            <a:off x="4043726" y="303240"/>
+            <a:ext cx="3567038" cy="6341400"/>
           </a:xfrm>
         </p:spPr>
       </p:pic>
-      <p:sp>
-        <p:nvSpPr>
-          <p:cNvPr id="4" name="Date Placeholder 3"/>
-          <p:cNvSpPr>
-            <a:spLocks noGrp="1"/>
-          </p:cNvSpPr>
-          <p:nvPr>
-            <p:ph type="dt" sz="half" idx="10"/>
-          </p:nvPr>
-        </p:nvSpPr>
-        <p:spPr/>
-        <p:txBody>
-          <a:bodyPr/>
-          <a:lstStyle/>
-          <a:p>
-            <a:r>
-              <a:rPr lang="en-US" smtClean="0"/>
-              <a:t>tutorial/android/sensor/gyroscope</a:t>
-            </a:r>
-            <a:endParaRPr lang="en-US"/>
-          </a:p>
-        </p:txBody>
-      </p:sp>
-      <p:sp>
-        <p:nvSpPr>
-          <p:cNvPr id="5" name="Footer Placeholder 4"/>
-          <p:cNvSpPr>
-            <a:spLocks noGrp="1"/>
-          </p:cNvSpPr>
-          <p:nvPr>
-            <p:ph type="ftr" sz="quarter" idx="11"/>
-          </p:nvPr>
-        </p:nvSpPr>
-        <p:spPr/>
-        <p:txBody>
-          <a:bodyPr/>
-          <a:lstStyle/>
-          <a:p>
-            <a:r>
-              <a:rPr lang="en-US" smtClean="0"/>
-              <a:t>/  4</a:t>
-            </a:r>
-            <a:endParaRPr lang="en-US"/>
-          </a:p>
-        </p:txBody>
-      </p:sp>
-      <p:sp>
-        <p:nvSpPr>
-          <p:cNvPr id="6" name="Slide Number Placeholder 5"/>
-          <p:cNvSpPr>
-            <a:spLocks noGrp="1"/>
-          </p:cNvSpPr>
-          <p:nvPr>
-            <p:ph type="sldNum" sz="quarter" idx="12"/>
-          </p:nvPr>
-        </p:nvSpPr>
-        <p:spPr/>
-        <p:txBody>
-          <a:bodyPr/>
-          <a:lstStyle/>
-          <a:p>
-            <a:fld id="{1D923369-3FDE-4CA0-9C18-7B9889AA1FC7}" type="slidenum">
-              <a:rPr lang="en-US" smtClean="0"/>
-              <a:t>2</a:t>
-            </a:fld>
-            <a:endParaRPr lang="en-US"/>
-          </a:p>
-        </p:txBody>
-      </p:sp>
     </p:spTree>
     <p:extLst>
       <p:ext uri="{BB962C8B-B14F-4D97-AF65-F5344CB8AC3E}">
